--- a/Figures/Pruned-tree.pptx
+++ b/Figures/Pruned-tree.pptx
@@ -258,7 +258,7 @@
           <a:p>
             <a:fld id="{DB66AA82-ED40-495D-B06B-56AC191DBDA2}" type="datetimeFigureOut">
               <a:rPr lang="nb-NO" smtClean="0"/>
-              <a:t>20.05.2017</a:t>
+              <a:t>04.06.2017</a:t>
             </a:fld>
             <a:endParaRPr lang="nb-NO"/>
           </a:p>
@@ -428,7 +428,7 @@
           <a:p>
             <a:fld id="{DB66AA82-ED40-495D-B06B-56AC191DBDA2}" type="datetimeFigureOut">
               <a:rPr lang="nb-NO" smtClean="0"/>
-              <a:t>20.05.2017</a:t>
+              <a:t>04.06.2017</a:t>
             </a:fld>
             <a:endParaRPr lang="nb-NO"/>
           </a:p>
@@ -608,7 +608,7 @@
           <a:p>
             <a:fld id="{DB66AA82-ED40-495D-B06B-56AC191DBDA2}" type="datetimeFigureOut">
               <a:rPr lang="nb-NO" smtClean="0"/>
-              <a:t>20.05.2017</a:t>
+              <a:t>04.06.2017</a:t>
             </a:fld>
             <a:endParaRPr lang="nb-NO"/>
           </a:p>
@@ -778,7 +778,7 @@
           <a:p>
             <a:fld id="{DB66AA82-ED40-495D-B06B-56AC191DBDA2}" type="datetimeFigureOut">
               <a:rPr lang="nb-NO" smtClean="0"/>
-              <a:t>20.05.2017</a:t>
+              <a:t>04.06.2017</a:t>
             </a:fld>
             <a:endParaRPr lang="nb-NO"/>
           </a:p>
@@ -1022,7 +1022,7 @@
           <a:p>
             <a:fld id="{DB66AA82-ED40-495D-B06B-56AC191DBDA2}" type="datetimeFigureOut">
               <a:rPr lang="nb-NO" smtClean="0"/>
-              <a:t>20.05.2017</a:t>
+              <a:t>04.06.2017</a:t>
             </a:fld>
             <a:endParaRPr lang="nb-NO"/>
           </a:p>
@@ -1254,7 +1254,7 @@
           <a:p>
             <a:fld id="{DB66AA82-ED40-495D-B06B-56AC191DBDA2}" type="datetimeFigureOut">
               <a:rPr lang="nb-NO" smtClean="0"/>
-              <a:t>20.05.2017</a:t>
+              <a:t>04.06.2017</a:t>
             </a:fld>
             <a:endParaRPr lang="nb-NO"/>
           </a:p>
@@ -1621,7 +1621,7 @@
           <a:p>
             <a:fld id="{DB66AA82-ED40-495D-B06B-56AC191DBDA2}" type="datetimeFigureOut">
               <a:rPr lang="nb-NO" smtClean="0"/>
-              <a:t>20.05.2017</a:t>
+              <a:t>04.06.2017</a:t>
             </a:fld>
             <a:endParaRPr lang="nb-NO"/>
           </a:p>
@@ -1739,7 +1739,7 @@
           <a:p>
             <a:fld id="{DB66AA82-ED40-495D-B06B-56AC191DBDA2}" type="datetimeFigureOut">
               <a:rPr lang="nb-NO" smtClean="0"/>
-              <a:t>20.05.2017</a:t>
+              <a:t>04.06.2017</a:t>
             </a:fld>
             <a:endParaRPr lang="nb-NO"/>
           </a:p>
@@ -1834,7 +1834,7 @@
           <a:p>
             <a:fld id="{DB66AA82-ED40-495D-B06B-56AC191DBDA2}" type="datetimeFigureOut">
               <a:rPr lang="nb-NO" smtClean="0"/>
-              <a:t>20.05.2017</a:t>
+              <a:t>04.06.2017</a:t>
             </a:fld>
             <a:endParaRPr lang="nb-NO"/>
           </a:p>
@@ -2111,7 +2111,7 @@
           <a:p>
             <a:fld id="{DB66AA82-ED40-495D-B06B-56AC191DBDA2}" type="datetimeFigureOut">
               <a:rPr lang="nb-NO" smtClean="0"/>
-              <a:t>20.05.2017</a:t>
+              <a:t>04.06.2017</a:t>
             </a:fld>
             <a:endParaRPr lang="nb-NO"/>
           </a:p>
@@ -2368,7 +2368,7 @@
           <a:p>
             <a:fld id="{DB66AA82-ED40-495D-B06B-56AC191DBDA2}" type="datetimeFigureOut">
               <a:rPr lang="nb-NO" smtClean="0"/>
-              <a:t>20.05.2017</a:t>
+              <a:t>04.06.2017</a:t>
             </a:fld>
             <a:endParaRPr lang="nb-NO"/>
           </a:p>
@@ -2581,7 +2581,7 @@
           <a:p>
             <a:fld id="{DB66AA82-ED40-495D-B06B-56AC191DBDA2}" type="datetimeFigureOut">
               <a:rPr lang="nb-NO" smtClean="0"/>
-              <a:t>20.05.2017</a:t>
+              <a:t>04.06.2017</a:t>
             </a:fld>
             <a:endParaRPr lang="nb-NO"/>
           </a:p>
@@ -4250,8 +4250,8 @@
           </p:blipFill>
           <p:spPr bwMode="auto">
             <a:xfrm rot="19349670">
-              <a:off x="2524005" y="1139886"/>
-              <a:ext cx="1376291" cy="1376291"/>
+              <a:off x="2524008" y="1139883"/>
+              <a:ext cx="1376290" cy="1376292"/>
             </a:xfrm>
             <a:prstGeom prst="rect">
               <a:avLst/>
